--- a/MISC/Proto-persona.pptx
+++ b/MISC/Proto-persona.pptx
@@ -206,7 +206,7 @@
           <a:p>
             <a:fld id="{1D3FA54E-CE99-4510-B3FF-D8EF69712385}" type="datetimeFigureOut">
               <a:rPr lang="pt-BR" smtClean="0"/>
-              <a:t>05/09/2022</a:t>
+              <a:t>29/11/2022</a:t>
             </a:fld>
             <a:endParaRPr lang="pt-BR"/>
           </a:p>
@@ -709,7 +709,7 @@
           <a:p>
             <a:fld id="{81B8F32D-D8B6-4B9E-9CBF-DCAC30B7B93D}" type="datetimeFigureOut">
               <a:rPr lang="en-US" smtClean="0"/>
-              <a:t>9/5/2022</a:t>
+              <a:t>11/29/2022</a:t>
             </a:fld>
             <a:endParaRPr lang="en-US"/>
           </a:p>
@@ -1025,7 +1025,7 @@
           <a:p>
             <a:fld id="{81B8F32D-D8B6-4B9E-9CBF-DCAC30B7B93D}" type="datetimeFigureOut">
               <a:rPr lang="en-US" smtClean="0"/>
-              <a:t>9/5/2022</a:t>
+              <a:t>11/29/2022</a:t>
             </a:fld>
             <a:endParaRPr lang="en-US"/>
           </a:p>
@@ -1330,7 +1330,7 @@
           <a:p>
             <a:fld id="{81B8F32D-D8B6-4B9E-9CBF-DCAC30B7B93D}" type="datetimeFigureOut">
               <a:rPr lang="en-US" smtClean="0"/>
-              <a:t>9/5/2022</a:t>
+              <a:t>11/29/2022</a:t>
             </a:fld>
             <a:endParaRPr lang="en-US"/>
           </a:p>
@@ -1537,7 +1537,7 @@
           <a:p>
             <a:fld id="{81B8F32D-D8B6-4B9E-9CBF-DCAC30B7B93D}" type="datetimeFigureOut">
               <a:rPr lang="en-US" smtClean="0"/>
-              <a:t>9/5/2022</a:t>
+              <a:t>11/29/2022</a:t>
             </a:fld>
             <a:endParaRPr lang="en-US"/>
           </a:p>
@@ -1885,7 +1885,7 @@
           <a:p>
             <a:fld id="{81B8F32D-D8B6-4B9E-9CBF-DCAC30B7B93D}" type="datetimeFigureOut">
               <a:rPr lang="en-US" smtClean="0"/>
-              <a:t>9/5/2022</a:t>
+              <a:t>11/29/2022</a:t>
             </a:fld>
             <a:endParaRPr lang="en-US"/>
           </a:p>
@@ -2356,7 +2356,7 @@
           <a:p>
             <a:fld id="{81B8F32D-D8B6-4B9E-9CBF-DCAC30B7B93D}" type="datetimeFigureOut">
               <a:rPr lang="en-US" smtClean="0"/>
-              <a:t>9/5/2022</a:t>
+              <a:t>11/29/2022</a:t>
             </a:fld>
             <a:endParaRPr lang="en-US"/>
           </a:p>
@@ -2891,7 +2891,7 @@
           <a:p>
             <a:fld id="{81B8F32D-D8B6-4B9E-9CBF-DCAC30B7B93D}" type="datetimeFigureOut">
               <a:rPr lang="en-US" smtClean="0"/>
-              <a:t>9/5/2022</a:t>
+              <a:t>11/29/2022</a:t>
             </a:fld>
             <a:endParaRPr lang="en-US"/>
           </a:p>
@@ -3108,7 +3108,7 @@
           <a:p>
             <a:fld id="{81B8F32D-D8B6-4B9E-9CBF-DCAC30B7B93D}" type="datetimeFigureOut">
               <a:rPr lang="en-US" smtClean="0"/>
-              <a:t>9/5/2022</a:t>
+              <a:t>11/29/2022</a:t>
             </a:fld>
             <a:endParaRPr lang="en-US"/>
           </a:p>
@@ -3313,7 +3313,7 @@
           <a:p>
             <a:fld id="{81B8F32D-D8B6-4B9E-9CBF-DCAC30B7B93D}" type="datetimeFigureOut">
               <a:rPr lang="en-US" smtClean="0"/>
-              <a:t>9/5/2022</a:t>
+              <a:t>11/29/2022</a:t>
             </a:fld>
             <a:endParaRPr lang="en-US"/>
           </a:p>
@@ -3643,7 +3643,7 @@
           <a:p>
             <a:fld id="{81B8F32D-D8B6-4B9E-9CBF-DCAC30B7B93D}" type="datetimeFigureOut">
               <a:rPr lang="en-US" smtClean="0"/>
-              <a:t>9/5/2022</a:t>
+              <a:t>11/29/2022</a:t>
             </a:fld>
             <a:endParaRPr lang="en-US"/>
           </a:p>
@@ -3953,7 +3953,7 @@
           <a:p>
             <a:fld id="{81B8F32D-D8B6-4B9E-9CBF-DCAC30B7B93D}" type="datetimeFigureOut">
               <a:rPr lang="en-US" smtClean="0"/>
-              <a:t>9/5/2022</a:t>
+              <a:t>11/29/2022</a:t>
             </a:fld>
             <a:endParaRPr lang="en-US"/>
           </a:p>
@@ -4194,7 +4194,7 @@
             <a:fld id="{81B8F32D-D8B6-4B9E-9CBF-DCAC30B7B93D}" type="datetimeFigureOut">
               <a:rPr lang="en-US" smtClean="0"/>
               <a:pPr/>
-              <a:t>9/5/2022</a:t>
+              <a:t>11/29/2022</a:t>
             </a:fld>
             <a:endParaRPr lang="en-US" dirty="0"/>
           </a:p>
@@ -5108,7 +5108,7 @@
               <a:rPr lang="pt-BR" sz="1400" dirty="0">
                 <a:latin typeface="Bahnschrift SemiBold" panose="020B0502040204020203" pitchFamily="34" charset="0"/>
               </a:rPr>
-              <a:t>Os alunos tendem a desviar dos conteúdos da aula por não ter nenhum tipo de controle de seus acessos e permissões.</a:t>
+              <a:t>Os alunos tendem a desviar dos conteúdos da aula por não existir nenhum tipo de controle de seus acessos e permissões.</a:t>
             </a:r>
           </a:p>
           <a:p>
@@ -5176,8 +5176,8 @@
         </p:nvSpPr>
         <p:spPr>
           <a:xfrm>
-            <a:off x="1343093" y="315763"/>
-            <a:ext cx="4577672" cy="2931439"/>
+            <a:off x="1343092" y="315763"/>
+            <a:ext cx="4994333" cy="2931439"/>
           </a:xfrm>
           <a:ln w="28575"/>
         </p:spPr>
@@ -5406,7 +5406,7 @@
                 <a:ea typeface="+mj-ea"/>
                 <a:cs typeface="+mj-cs"/>
               </a:rPr>
-              <a:t>monitora</a:t>
+              <a:t>monitorar</a:t>
             </a:r>
             <a:r>
               <a:rPr lang="en-US" sz="1600" dirty="0">
@@ -7584,12 +7584,9 @@
 </file>
 
 <file path=customXml/item1.xml><?xml version="1.0" encoding="utf-8"?>
-<?mso-contentType ?>
-<FormTemplates xmlns="http://schemas.microsoft.com/sharepoint/v3/contenttype/forms">
-  <Display>DocumentLibraryForm</Display>
-  <Edit>DocumentLibraryForm</Edit>
-  <New>DocumentLibraryForm</New>
-</FormTemplates>
+<p:properties xmlns:p="http://schemas.microsoft.com/office/2006/metadata/properties" xmlns:xsi="http://www.w3.org/2001/XMLSchema-instance" xmlns:pc="http://schemas.microsoft.com/office/infopath/2007/PartnerControls">
+  <documentManagement/>
+</p:properties>
 </file>
 
 <file path=customXml/item2.xml><?xml version="1.0" encoding="utf-8"?>
@@ -7777,15 +7774,26 @@
 </file>
 
 <file path=customXml/item3.xml><?xml version="1.0" encoding="utf-8"?>
-<p:properties xmlns:p="http://schemas.microsoft.com/office/2006/metadata/properties" xmlns:xsi="http://www.w3.org/2001/XMLSchema-instance" xmlns:pc="http://schemas.microsoft.com/office/infopath/2007/PartnerControls">
-  <documentManagement/>
-</p:properties>
+<?mso-contentType ?>
+<FormTemplates xmlns="http://schemas.microsoft.com/sharepoint/v3/contenttype/forms">
+  <Display>DocumentLibraryForm</Display>
+  <Edit>DocumentLibraryForm</Edit>
+  <New>DocumentLibraryForm</New>
+</FormTemplates>
 </file>
 
 <file path=customXml/itemProps1.xml><?xml version="1.0" encoding="utf-8"?>
-<ds:datastoreItem xmlns:ds="http://schemas.openxmlformats.org/officeDocument/2006/customXml" ds:itemID="{87BF848E-57EE-4899-BAE4-CBDD1C231517}">
+<ds:datastoreItem xmlns:ds="http://schemas.openxmlformats.org/officeDocument/2006/customXml" ds:itemID="{B962A65C-1D7C-4CB6-A7D4-ED42B6692128}">
   <ds:schemaRefs>
-    <ds:schemaRef ds:uri="http://schemas.microsoft.com/sharepoint/v3/contenttype/forms"/>
+    <ds:schemaRef ds:uri="http://schemas.microsoft.com/office/2006/documentManagement/types"/>
+    <ds:schemaRef ds:uri="http://schemas.openxmlformats.org/package/2006/metadata/core-properties"/>
+    <ds:schemaRef ds:uri="http://purl.org/dc/dcmitype/"/>
+    <ds:schemaRef ds:uri="http://purl.org/dc/terms/"/>
+    <ds:schemaRef ds:uri="7a087c55-5f08-466c-910b-e029fd4269fe"/>
+    <ds:schemaRef ds:uri="http://schemas.microsoft.com/office/infopath/2007/PartnerControls"/>
+    <ds:schemaRef ds:uri="http://schemas.microsoft.com/office/2006/metadata/properties"/>
+    <ds:schemaRef ds:uri="http://www.w3.org/XML/1998/namespace"/>
+    <ds:schemaRef ds:uri="http://purl.org/dc/elements/1.1/"/>
   </ds:schemaRefs>
 </ds:datastoreItem>
 </file>
@@ -7809,17 +7817,9 @@
 </file>
 
 <file path=customXml/itemProps3.xml><?xml version="1.0" encoding="utf-8"?>
-<ds:datastoreItem xmlns:ds="http://schemas.openxmlformats.org/officeDocument/2006/customXml" ds:itemID="{B962A65C-1D7C-4CB6-A7D4-ED42B6692128}">
+<ds:datastoreItem xmlns:ds="http://schemas.openxmlformats.org/officeDocument/2006/customXml" ds:itemID="{87BF848E-57EE-4899-BAE4-CBDD1C231517}">
   <ds:schemaRefs>
-    <ds:schemaRef ds:uri="http://schemas.microsoft.com/office/2006/documentManagement/types"/>
-    <ds:schemaRef ds:uri="http://schemas.openxmlformats.org/package/2006/metadata/core-properties"/>
-    <ds:schemaRef ds:uri="http://purl.org/dc/dcmitype/"/>
-    <ds:schemaRef ds:uri="http://purl.org/dc/terms/"/>
-    <ds:schemaRef ds:uri="7a087c55-5f08-466c-910b-e029fd4269fe"/>
-    <ds:schemaRef ds:uri="http://schemas.microsoft.com/office/infopath/2007/PartnerControls"/>
-    <ds:schemaRef ds:uri="http://schemas.microsoft.com/office/2006/metadata/properties"/>
-    <ds:schemaRef ds:uri="http://www.w3.org/XML/1998/namespace"/>
-    <ds:schemaRef ds:uri="http://purl.org/dc/elements/1.1/"/>
+    <ds:schemaRef ds:uri="http://schemas.microsoft.com/sharepoint/v3/contenttype/forms"/>
   </ds:schemaRefs>
 </ds:datastoreItem>
 </file>